--- a/Presentation/presentation.pptx
+++ b/Presentation/presentation.pptx
@@ -108,6 +108,11 @@
       </a:defRPr>
     </a:lvl9pPr>
   </p:defaultTextStyle>
+  <p:extLst>
+    <p:ext uri="{EFAFB233-063F-42B5-8137-9DF3F51BA10A}">
+      <p15:sldGuideLst xmlns:p15="http://schemas.microsoft.com/office/powerpoint/2012/main"/>
+    </p:ext>
+  </p:extLst>
 </p:presentation>
 </file>
 
@@ -242,7 +247,7 @@
           <a:p>
             <a:fld id="{5A812C59-4957-47B1-BD8E-6B9CFA9A17E1}" type="datetimeFigureOut">
               <a:rPr lang="en-GB" smtClean="0"/>
-              <a:t>24/10/2018</a:t>
+              <a:t>25/10/2018</a:t>
             </a:fld>
             <a:endParaRPr lang="en-GB"/>
           </a:p>
@@ -412,7 +417,7 @@
           <a:p>
             <a:fld id="{5A812C59-4957-47B1-BD8E-6B9CFA9A17E1}" type="datetimeFigureOut">
               <a:rPr lang="en-GB" smtClean="0"/>
-              <a:t>24/10/2018</a:t>
+              <a:t>25/10/2018</a:t>
             </a:fld>
             <a:endParaRPr lang="en-GB"/>
           </a:p>
@@ -592,7 +597,7 @@
           <a:p>
             <a:fld id="{5A812C59-4957-47B1-BD8E-6B9CFA9A17E1}" type="datetimeFigureOut">
               <a:rPr lang="en-GB" smtClean="0"/>
-              <a:t>24/10/2018</a:t>
+              <a:t>25/10/2018</a:t>
             </a:fld>
             <a:endParaRPr lang="en-GB"/>
           </a:p>
@@ -762,7 +767,7 @@
           <a:p>
             <a:fld id="{5A812C59-4957-47B1-BD8E-6B9CFA9A17E1}" type="datetimeFigureOut">
               <a:rPr lang="en-GB" smtClean="0"/>
-              <a:t>24/10/2018</a:t>
+              <a:t>25/10/2018</a:t>
             </a:fld>
             <a:endParaRPr lang="en-GB"/>
           </a:p>
@@ -1008,7 +1013,7 @@
           <a:p>
             <a:fld id="{5A812C59-4957-47B1-BD8E-6B9CFA9A17E1}" type="datetimeFigureOut">
               <a:rPr lang="en-GB" smtClean="0"/>
-              <a:t>24/10/2018</a:t>
+              <a:t>25/10/2018</a:t>
             </a:fld>
             <a:endParaRPr lang="en-GB"/>
           </a:p>
@@ -1240,7 +1245,7 @@
           <a:p>
             <a:fld id="{5A812C59-4957-47B1-BD8E-6B9CFA9A17E1}" type="datetimeFigureOut">
               <a:rPr lang="en-GB" smtClean="0"/>
-              <a:t>24/10/2018</a:t>
+              <a:t>25/10/2018</a:t>
             </a:fld>
             <a:endParaRPr lang="en-GB"/>
           </a:p>
@@ -1607,7 +1612,7 @@
           <a:p>
             <a:fld id="{5A812C59-4957-47B1-BD8E-6B9CFA9A17E1}" type="datetimeFigureOut">
               <a:rPr lang="en-GB" smtClean="0"/>
-              <a:t>24/10/2018</a:t>
+              <a:t>25/10/2018</a:t>
             </a:fld>
             <a:endParaRPr lang="en-GB"/>
           </a:p>
@@ -1725,7 +1730,7 @@
           <a:p>
             <a:fld id="{5A812C59-4957-47B1-BD8E-6B9CFA9A17E1}" type="datetimeFigureOut">
               <a:rPr lang="en-GB" smtClean="0"/>
-              <a:t>24/10/2018</a:t>
+              <a:t>25/10/2018</a:t>
             </a:fld>
             <a:endParaRPr lang="en-GB"/>
           </a:p>
@@ -1820,7 +1825,7 @@
           <a:p>
             <a:fld id="{5A812C59-4957-47B1-BD8E-6B9CFA9A17E1}" type="datetimeFigureOut">
               <a:rPr lang="en-GB" smtClean="0"/>
-              <a:t>24/10/2018</a:t>
+              <a:t>25/10/2018</a:t>
             </a:fld>
             <a:endParaRPr lang="en-GB"/>
           </a:p>
@@ -2097,7 +2102,7 @@
           <a:p>
             <a:fld id="{5A812C59-4957-47B1-BD8E-6B9CFA9A17E1}" type="datetimeFigureOut">
               <a:rPr lang="en-GB" smtClean="0"/>
-              <a:t>24/10/2018</a:t>
+              <a:t>25/10/2018</a:t>
             </a:fld>
             <a:endParaRPr lang="en-GB"/>
           </a:p>
@@ -2350,7 +2355,7 @@
           <a:p>
             <a:fld id="{5A812C59-4957-47B1-BD8E-6B9CFA9A17E1}" type="datetimeFigureOut">
               <a:rPr lang="en-GB" smtClean="0"/>
-              <a:t>24/10/2018</a:t>
+              <a:t>25/10/2018</a:t>
             </a:fld>
             <a:endParaRPr lang="en-GB"/>
           </a:p>
@@ -2563,7 +2568,7 @@
           <a:p>
             <a:fld id="{5A812C59-4957-47B1-BD8E-6B9CFA9A17E1}" type="datetimeFigureOut">
               <a:rPr lang="en-GB" smtClean="0"/>
-              <a:t>24/10/2018</a:t>
+              <a:t>25/10/2018</a:t>
             </a:fld>
             <a:endParaRPr lang="en-GB"/>
           </a:p>
@@ -3870,6 +3875,628 @@
   <p:clrMapOvr>
     <a:masterClrMapping/>
   </p:clrMapOvr>
+  <p:timing>
+    <p:tnLst>
+      <p:par>
+        <p:cTn id="1" dur="indefinite" restart="never" nodeType="tmRoot">
+          <p:childTnLst>
+            <p:seq concurrent="1" nextAc="seek">
+              <p:cTn id="2" dur="indefinite" nodeType="mainSeq">
+                <p:childTnLst>
+                  <p:par>
+                    <p:cTn id="3" fill="hold">
+                      <p:stCondLst>
+                        <p:cond delay="indefinite"/>
+                      </p:stCondLst>
+                      <p:childTnLst>
+                        <p:par>
+                          <p:cTn id="4" fill="hold">
+                            <p:stCondLst>
+                              <p:cond delay="0"/>
+                            </p:stCondLst>
+                            <p:childTnLst>
+                              <p:par>
+                                <p:cTn id="5" presetID="10" presetClass="entr" presetSubtype="0" fill="hold" nodeType="clickEffect">
+                                  <p:stCondLst>
+                                    <p:cond delay="0"/>
+                                  </p:stCondLst>
+                                  <p:childTnLst>
+                                    <p:set>
+                                      <p:cBhvr>
+                                        <p:cTn id="6" dur="1" fill="hold">
+                                          <p:stCondLst>
+                                            <p:cond delay="0"/>
+                                          </p:stCondLst>
+                                        </p:cTn>
+                                        <p:tgtEl>
+                                          <p:spTgt spid="6">
+                                            <p:txEl>
+                                              <p:pRg st="2" end="2"/>
+                                            </p:txEl>
+                                          </p:spTgt>
+                                        </p:tgtEl>
+                                        <p:attrNameLst>
+                                          <p:attrName>style.visibility</p:attrName>
+                                        </p:attrNameLst>
+                                      </p:cBhvr>
+                                      <p:to>
+                                        <p:strVal val="visible"/>
+                                      </p:to>
+                                    </p:set>
+                                    <p:animEffect transition="in" filter="fade">
+                                      <p:cBhvr>
+                                        <p:cTn id="7" dur="500"/>
+                                        <p:tgtEl>
+                                          <p:spTgt spid="6">
+                                            <p:txEl>
+                                              <p:pRg st="2" end="2"/>
+                                            </p:txEl>
+                                          </p:spTgt>
+                                        </p:tgtEl>
+                                      </p:cBhvr>
+                                    </p:animEffect>
+                                  </p:childTnLst>
+                                </p:cTn>
+                              </p:par>
+                            </p:childTnLst>
+                          </p:cTn>
+                        </p:par>
+                      </p:childTnLst>
+                    </p:cTn>
+                  </p:par>
+                  <p:par>
+                    <p:cTn id="8" fill="hold">
+                      <p:stCondLst>
+                        <p:cond delay="indefinite"/>
+                      </p:stCondLst>
+                      <p:childTnLst>
+                        <p:par>
+                          <p:cTn id="9" fill="hold">
+                            <p:stCondLst>
+                              <p:cond delay="0"/>
+                            </p:stCondLst>
+                            <p:childTnLst>
+                              <p:par>
+                                <p:cTn id="10" presetID="10" presetClass="entr" presetSubtype="0" fill="hold" nodeType="clickEffect">
+                                  <p:stCondLst>
+                                    <p:cond delay="0"/>
+                                  </p:stCondLst>
+                                  <p:childTnLst>
+                                    <p:set>
+                                      <p:cBhvr>
+                                        <p:cTn id="11" dur="1" fill="hold">
+                                          <p:stCondLst>
+                                            <p:cond delay="0"/>
+                                          </p:stCondLst>
+                                        </p:cTn>
+                                        <p:tgtEl>
+                                          <p:spTgt spid="6">
+                                            <p:txEl>
+                                              <p:pRg st="4" end="4"/>
+                                            </p:txEl>
+                                          </p:spTgt>
+                                        </p:tgtEl>
+                                        <p:attrNameLst>
+                                          <p:attrName>style.visibility</p:attrName>
+                                        </p:attrNameLst>
+                                      </p:cBhvr>
+                                      <p:to>
+                                        <p:strVal val="visible"/>
+                                      </p:to>
+                                    </p:set>
+                                    <p:animEffect transition="in" filter="fade">
+                                      <p:cBhvr>
+                                        <p:cTn id="12" dur="500"/>
+                                        <p:tgtEl>
+                                          <p:spTgt spid="6">
+                                            <p:txEl>
+                                              <p:pRg st="4" end="4"/>
+                                            </p:txEl>
+                                          </p:spTgt>
+                                        </p:tgtEl>
+                                      </p:cBhvr>
+                                    </p:animEffect>
+                                  </p:childTnLst>
+                                </p:cTn>
+                              </p:par>
+                            </p:childTnLst>
+                          </p:cTn>
+                        </p:par>
+                      </p:childTnLst>
+                    </p:cTn>
+                  </p:par>
+                  <p:par>
+                    <p:cTn id="13" fill="hold">
+                      <p:stCondLst>
+                        <p:cond delay="indefinite"/>
+                      </p:stCondLst>
+                      <p:childTnLst>
+                        <p:par>
+                          <p:cTn id="14" fill="hold">
+                            <p:stCondLst>
+                              <p:cond delay="0"/>
+                            </p:stCondLst>
+                            <p:childTnLst>
+                              <p:par>
+                                <p:cTn id="15" presetID="10" presetClass="entr" presetSubtype="0" fill="hold" nodeType="clickEffect">
+                                  <p:stCondLst>
+                                    <p:cond delay="0"/>
+                                  </p:stCondLst>
+                                  <p:childTnLst>
+                                    <p:set>
+                                      <p:cBhvr>
+                                        <p:cTn id="16" dur="1" fill="hold">
+                                          <p:stCondLst>
+                                            <p:cond delay="0"/>
+                                          </p:stCondLst>
+                                        </p:cTn>
+                                        <p:tgtEl>
+                                          <p:spTgt spid="6">
+                                            <p:txEl>
+                                              <p:pRg st="5" end="5"/>
+                                            </p:txEl>
+                                          </p:spTgt>
+                                        </p:tgtEl>
+                                        <p:attrNameLst>
+                                          <p:attrName>style.visibility</p:attrName>
+                                        </p:attrNameLst>
+                                      </p:cBhvr>
+                                      <p:to>
+                                        <p:strVal val="visible"/>
+                                      </p:to>
+                                    </p:set>
+                                    <p:animEffect transition="in" filter="fade">
+                                      <p:cBhvr>
+                                        <p:cTn id="17" dur="500"/>
+                                        <p:tgtEl>
+                                          <p:spTgt spid="6">
+                                            <p:txEl>
+                                              <p:pRg st="5" end="5"/>
+                                            </p:txEl>
+                                          </p:spTgt>
+                                        </p:tgtEl>
+                                      </p:cBhvr>
+                                    </p:animEffect>
+                                  </p:childTnLst>
+                                </p:cTn>
+                              </p:par>
+                              <p:par>
+                                <p:cTn id="18" presetID="10" presetClass="entr" presetSubtype="0" fill="hold" nodeType="withEffect">
+                                  <p:stCondLst>
+                                    <p:cond delay="0"/>
+                                  </p:stCondLst>
+                                  <p:childTnLst>
+                                    <p:set>
+                                      <p:cBhvr>
+                                        <p:cTn id="19" dur="1" fill="hold">
+                                          <p:stCondLst>
+                                            <p:cond delay="0"/>
+                                          </p:stCondLst>
+                                        </p:cTn>
+                                        <p:tgtEl>
+                                          <p:spTgt spid="6">
+                                            <p:txEl>
+                                              <p:pRg st="6" end="6"/>
+                                            </p:txEl>
+                                          </p:spTgt>
+                                        </p:tgtEl>
+                                        <p:attrNameLst>
+                                          <p:attrName>style.visibility</p:attrName>
+                                        </p:attrNameLst>
+                                      </p:cBhvr>
+                                      <p:to>
+                                        <p:strVal val="visible"/>
+                                      </p:to>
+                                    </p:set>
+                                    <p:animEffect transition="in" filter="fade">
+                                      <p:cBhvr>
+                                        <p:cTn id="20" dur="500"/>
+                                        <p:tgtEl>
+                                          <p:spTgt spid="6">
+                                            <p:txEl>
+                                              <p:pRg st="6" end="6"/>
+                                            </p:txEl>
+                                          </p:spTgt>
+                                        </p:tgtEl>
+                                      </p:cBhvr>
+                                    </p:animEffect>
+                                  </p:childTnLst>
+                                </p:cTn>
+                              </p:par>
+                            </p:childTnLst>
+                          </p:cTn>
+                        </p:par>
+                      </p:childTnLst>
+                    </p:cTn>
+                  </p:par>
+                  <p:par>
+                    <p:cTn id="21" fill="hold">
+                      <p:stCondLst>
+                        <p:cond delay="indefinite"/>
+                      </p:stCondLst>
+                      <p:childTnLst>
+                        <p:par>
+                          <p:cTn id="22" fill="hold">
+                            <p:stCondLst>
+                              <p:cond delay="0"/>
+                            </p:stCondLst>
+                            <p:childTnLst>
+                              <p:par>
+                                <p:cTn id="23" presetID="10" presetClass="entr" presetSubtype="0" fill="hold" nodeType="clickEffect">
+                                  <p:stCondLst>
+                                    <p:cond delay="0"/>
+                                  </p:stCondLst>
+                                  <p:childTnLst>
+                                    <p:set>
+                                      <p:cBhvr>
+                                        <p:cTn id="24" dur="1" fill="hold">
+                                          <p:stCondLst>
+                                            <p:cond delay="0"/>
+                                          </p:stCondLst>
+                                        </p:cTn>
+                                        <p:tgtEl>
+                                          <p:spTgt spid="6">
+                                            <p:txEl>
+                                              <p:pRg st="7" end="7"/>
+                                            </p:txEl>
+                                          </p:spTgt>
+                                        </p:tgtEl>
+                                        <p:attrNameLst>
+                                          <p:attrName>style.visibility</p:attrName>
+                                        </p:attrNameLst>
+                                      </p:cBhvr>
+                                      <p:to>
+                                        <p:strVal val="visible"/>
+                                      </p:to>
+                                    </p:set>
+                                    <p:animEffect transition="in" filter="fade">
+                                      <p:cBhvr>
+                                        <p:cTn id="25" dur="500"/>
+                                        <p:tgtEl>
+                                          <p:spTgt spid="6">
+                                            <p:txEl>
+                                              <p:pRg st="7" end="7"/>
+                                            </p:txEl>
+                                          </p:spTgt>
+                                        </p:tgtEl>
+                                      </p:cBhvr>
+                                    </p:animEffect>
+                                  </p:childTnLst>
+                                </p:cTn>
+                              </p:par>
+                            </p:childTnLst>
+                          </p:cTn>
+                        </p:par>
+                      </p:childTnLst>
+                    </p:cTn>
+                  </p:par>
+                  <p:par>
+                    <p:cTn id="26" fill="hold">
+                      <p:stCondLst>
+                        <p:cond delay="indefinite"/>
+                      </p:stCondLst>
+                      <p:childTnLst>
+                        <p:par>
+                          <p:cTn id="27" fill="hold">
+                            <p:stCondLst>
+                              <p:cond delay="0"/>
+                            </p:stCondLst>
+                            <p:childTnLst>
+                              <p:par>
+                                <p:cTn id="28" presetID="10" presetClass="entr" presetSubtype="0" fill="hold" nodeType="clickEffect">
+                                  <p:stCondLst>
+                                    <p:cond delay="0"/>
+                                  </p:stCondLst>
+                                  <p:childTnLst>
+                                    <p:set>
+                                      <p:cBhvr>
+                                        <p:cTn id="29" dur="1" fill="hold">
+                                          <p:stCondLst>
+                                            <p:cond delay="0"/>
+                                          </p:stCondLst>
+                                        </p:cTn>
+                                        <p:tgtEl>
+                                          <p:spTgt spid="6">
+                                            <p:txEl>
+                                              <p:pRg st="8" end="8"/>
+                                            </p:txEl>
+                                          </p:spTgt>
+                                        </p:tgtEl>
+                                        <p:attrNameLst>
+                                          <p:attrName>style.visibility</p:attrName>
+                                        </p:attrNameLst>
+                                      </p:cBhvr>
+                                      <p:to>
+                                        <p:strVal val="visible"/>
+                                      </p:to>
+                                    </p:set>
+                                    <p:animEffect transition="in" filter="fade">
+                                      <p:cBhvr>
+                                        <p:cTn id="30" dur="500"/>
+                                        <p:tgtEl>
+                                          <p:spTgt spid="6">
+                                            <p:txEl>
+                                              <p:pRg st="8" end="8"/>
+                                            </p:txEl>
+                                          </p:spTgt>
+                                        </p:tgtEl>
+                                      </p:cBhvr>
+                                    </p:animEffect>
+                                  </p:childTnLst>
+                                </p:cTn>
+                              </p:par>
+                            </p:childTnLst>
+                          </p:cTn>
+                        </p:par>
+                      </p:childTnLst>
+                    </p:cTn>
+                  </p:par>
+                  <p:par>
+                    <p:cTn id="31" fill="hold">
+                      <p:stCondLst>
+                        <p:cond delay="indefinite"/>
+                      </p:stCondLst>
+                      <p:childTnLst>
+                        <p:par>
+                          <p:cTn id="32" fill="hold">
+                            <p:stCondLst>
+                              <p:cond delay="0"/>
+                            </p:stCondLst>
+                            <p:childTnLst>
+                              <p:par>
+                                <p:cTn id="33" presetID="10" presetClass="entr" presetSubtype="0" fill="hold" nodeType="clickEffect">
+                                  <p:stCondLst>
+                                    <p:cond delay="0"/>
+                                  </p:stCondLst>
+                                  <p:childTnLst>
+                                    <p:set>
+                                      <p:cBhvr>
+                                        <p:cTn id="34" dur="1" fill="hold">
+                                          <p:stCondLst>
+                                            <p:cond delay="0"/>
+                                          </p:stCondLst>
+                                        </p:cTn>
+                                        <p:tgtEl>
+                                          <p:spTgt spid="6">
+                                            <p:txEl>
+                                              <p:pRg st="9" end="9"/>
+                                            </p:txEl>
+                                          </p:spTgt>
+                                        </p:tgtEl>
+                                        <p:attrNameLst>
+                                          <p:attrName>style.visibility</p:attrName>
+                                        </p:attrNameLst>
+                                      </p:cBhvr>
+                                      <p:to>
+                                        <p:strVal val="visible"/>
+                                      </p:to>
+                                    </p:set>
+                                    <p:animEffect transition="in" filter="fade">
+                                      <p:cBhvr>
+                                        <p:cTn id="35" dur="500"/>
+                                        <p:tgtEl>
+                                          <p:spTgt spid="6">
+                                            <p:txEl>
+                                              <p:pRg st="9" end="9"/>
+                                            </p:txEl>
+                                          </p:spTgt>
+                                        </p:tgtEl>
+                                      </p:cBhvr>
+                                    </p:animEffect>
+                                  </p:childTnLst>
+                                </p:cTn>
+                              </p:par>
+                            </p:childTnLst>
+                          </p:cTn>
+                        </p:par>
+                      </p:childTnLst>
+                    </p:cTn>
+                  </p:par>
+                  <p:par>
+                    <p:cTn id="36" fill="hold">
+                      <p:stCondLst>
+                        <p:cond delay="indefinite"/>
+                      </p:stCondLst>
+                      <p:childTnLst>
+                        <p:par>
+                          <p:cTn id="37" fill="hold">
+                            <p:stCondLst>
+                              <p:cond delay="0"/>
+                            </p:stCondLst>
+                            <p:childTnLst>
+                              <p:par>
+                                <p:cTn id="38" presetID="10" presetClass="entr" presetSubtype="0" fill="hold" nodeType="clickEffect">
+                                  <p:stCondLst>
+                                    <p:cond delay="0"/>
+                                  </p:stCondLst>
+                                  <p:childTnLst>
+                                    <p:set>
+                                      <p:cBhvr>
+                                        <p:cTn id="39" dur="1" fill="hold">
+                                          <p:stCondLst>
+                                            <p:cond delay="0"/>
+                                          </p:stCondLst>
+                                        </p:cTn>
+                                        <p:tgtEl>
+                                          <p:spTgt spid="6">
+                                            <p:txEl>
+                                              <p:pRg st="10" end="10"/>
+                                            </p:txEl>
+                                          </p:spTgt>
+                                        </p:tgtEl>
+                                        <p:attrNameLst>
+                                          <p:attrName>style.visibility</p:attrName>
+                                        </p:attrNameLst>
+                                      </p:cBhvr>
+                                      <p:to>
+                                        <p:strVal val="visible"/>
+                                      </p:to>
+                                    </p:set>
+                                    <p:animEffect transition="in" filter="fade">
+                                      <p:cBhvr>
+                                        <p:cTn id="40" dur="500"/>
+                                        <p:tgtEl>
+                                          <p:spTgt spid="6">
+                                            <p:txEl>
+                                              <p:pRg st="10" end="10"/>
+                                            </p:txEl>
+                                          </p:spTgt>
+                                        </p:tgtEl>
+                                      </p:cBhvr>
+                                    </p:animEffect>
+                                  </p:childTnLst>
+                                </p:cTn>
+                              </p:par>
+                            </p:childTnLst>
+                          </p:cTn>
+                        </p:par>
+                      </p:childTnLst>
+                    </p:cTn>
+                  </p:par>
+                  <p:par>
+                    <p:cTn id="41" fill="hold">
+                      <p:stCondLst>
+                        <p:cond delay="indefinite"/>
+                      </p:stCondLst>
+                      <p:childTnLst>
+                        <p:par>
+                          <p:cTn id="42" fill="hold">
+                            <p:stCondLst>
+                              <p:cond delay="0"/>
+                            </p:stCondLst>
+                            <p:childTnLst>
+                              <p:par>
+                                <p:cTn id="43" presetID="10" presetClass="entr" presetSubtype="0" fill="hold" nodeType="clickEffect">
+                                  <p:stCondLst>
+                                    <p:cond delay="0"/>
+                                  </p:stCondLst>
+                                  <p:childTnLst>
+                                    <p:set>
+                                      <p:cBhvr>
+                                        <p:cTn id="44" dur="1" fill="hold">
+                                          <p:stCondLst>
+                                            <p:cond delay="0"/>
+                                          </p:stCondLst>
+                                        </p:cTn>
+                                        <p:tgtEl>
+                                          <p:spTgt spid="6">
+                                            <p:txEl>
+                                              <p:pRg st="11" end="11"/>
+                                            </p:txEl>
+                                          </p:spTgt>
+                                        </p:tgtEl>
+                                        <p:attrNameLst>
+                                          <p:attrName>style.visibility</p:attrName>
+                                        </p:attrNameLst>
+                                      </p:cBhvr>
+                                      <p:to>
+                                        <p:strVal val="visible"/>
+                                      </p:to>
+                                    </p:set>
+                                    <p:animEffect transition="in" filter="fade">
+                                      <p:cBhvr>
+                                        <p:cTn id="45" dur="500"/>
+                                        <p:tgtEl>
+                                          <p:spTgt spid="6">
+                                            <p:txEl>
+                                              <p:pRg st="11" end="11"/>
+                                            </p:txEl>
+                                          </p:spTgt>
+                                        </p:tgtEl>
+                                      </p:cBhvr>
+                                    </p:animEffect>
+                                  </p:childTnLst>
+                                </p:cTn>
+                              </p:par>
+                            </p:childTnLst>
+                          </p:cTn>
+                        </p:par>
+                      </p:childTnLst>
+                    </p:cTn>
+                  </p:par>
+                  <p:par>
+                    <p:cTn id="46" fill="hold">
+                      <p:stCondLst>
+                        <p:cond delay="indefinite"/>
+                      </p:stCondLst>
+                      <p:childTnLst>
+                        <p:par>
+                          <p:cTn id="47" fill="hold">
+                            <p:stCondLst>
+                              <p:cond delay="0"/>
+                            </p:stCondLst>
+                            <p:childTnLst>
+                              <p:par>
+                                <p:cTn id="48" presetID="10" presetClass="entr" presetSubtype="0" fill="hold" nodeType="clickEffect">
+                                  <p:stCondLst>
+                                    <p:cond delay="0"/>
+                                  </p:stCondLst>
+                                  <p:childTnLst>
+                                    <p:set>
+                                      <p:cBhvr>
+                                        <p:cTn id="49" dur="1" fill="hold">
+                                          <p:stCondLst>
+                                            <p:cond delay="0"/>
+                                          </p:stCondLst>
+                                        </p:cTn>
+                                        <p:tgtEl>
+                                          <p:spTgt spid="6">
+                                            <p:txEl>
+                                              <p:pRg st="12" end="12"/>
+                                            </p:txEl>
+                                          </p:spTgt>
+                                        </p:tgtEl>
+                                        <p:attrNameLst>
+                                          <p:attrName>style.visibility</p:attrName>
+                                        </p:attrNameLst>
+                                      </p:cBhvr>
+                                      <p:to>
+                                        <p:strVal val="visible"/>
+                                      </p:to>
+                                    </p:set>
+                                    <p:animEffect transition="in" filter="fade">
+                                      <p:cBhvr>
+                                        <p:cTn id="50" dur="500"/>
+                                        <p:tgtEl>
+                                          <p:spTgt spid="6">
+                                            <p:txEl>
+                                              <p:pRg st="12" end="12"/>
+                                            </p:txEl>
+                                          </p:spTgt>
+                                        </p:tgtEl>
+                                      </p:cBhvr>
+                                    </p:animEffect>
+                                  </p:childTnLst>
+                                </p:cTn>
+                              </p:par>
+                            </p:childTnLst>
+                          </p:cTn>
+                        </p:par>
+                      </p:childTnLst>
+                    </p:cTn>
+                  </p:par>
+                </p:childTnLst>
+              </p:cTn>
+              <p:prevCondLst>
+                <p:cond evt="onPrev" delay="0">
+                  <p:tgtEl>
+                    <p:sldTgt/>
+                  </p:tgtEl>
+                </p:cond>
+              </p:prevCondLst>
+              <p:nextCondLst>
+                <p:cond evt="onNext" delay="0">
+                  <p:tgtEl>
+                    <p:sldTgt/>
+                  </p:tgtEl>
+                </p:cond>
+              </p:nextCondLst>
+            </p:seq>
+          </p:childTnLst>
+        </p:cTn>
+      </p:par>
+    </p:tnLst>
+  </p:timing>
 </p:sld>
 </file>
 
@@ -4484,6 +5111,341 @@
   <p:clrMapOvr>
     <a:masterClrMapping/>
   </p:clrMapOvr>
+  <p:timing>
+    <p:tnLst>
+      <p:par>
+        <p:cTn id="1" dur="indefinite" restart="never" nodeType="tmRoot">
+          <p:childTnLst>
+            <p:seq concurrent="1" nextAc="seek">
+              <p:cTn id="2" dur="indefinite" nodeType="mainSeq">
+                <p:childTnLst>
+                  <p:par>
+                    <p:cTn id="3" fill="hold">
+                      <p:stCondLst>
+                        <p:cond delay="indefinite"/>
+                      </p:stCondLst>
+                      <p:childTnLst>
+                        <p:par>
+                          <p:cTn id="4" fill="hold">
+                            <p:stCondLst>
+                              <p:cond delay="0"/>
+                            </p:stCondLst>
+                            <p:childTnLst>
+                              <p:par>
+                                <p:cTn id="5" presetID="10" presetClass="entr" presetSubtype="0" fill="hold" nodeType="clickEffect">
+                                  <p:stCondLst>
+                                    <p:cond delay="0"/>
+                                  </p:stCondLst>
+                                  <p:childTnLst>
+                                    <p:set>
+                                      <p:cBhvr>
+                                        <p:cTn id="6" dur="1" fill="hold">
+                                          <p:stCondLst>
+                                            <p:cond delay="0"/>
+                                          </p:stCondLst>
+                                        </p:cTn>
+                                        <p:tgtEl>
+                                          <p:spTgt spid="7">
+                                            <p:txEl>
+                                              <p:pRg st="2" end="2"/>
+                                            </p:txEl>
+                                          </p:spTgt>
+                                        </p:tgtEl>
+                                        <p:attrNameLst>
+                                          <p:attrName>style.visibility</p:attrName>
+                                        </p:attrNameLst>
+                                      </p:cBhvr>
+                                      <p:to>
+                                        <p:strVal val="visible"/>
+                                      </p:to>
+                                    </p:set>
+                                    <p:animEffect transition="in" filter="fade">
+                                      <p:cBhvr>
+                                        <p:cTn id="7" dur="500"/>
+                                        <p:tgtEl>
+                                          <p:spTgt spid="7">
+                                            <p:txEl>
+                                              <p:pRg st="2" end="2"/>
+                                            </p:txEl>
+                                          </p:spTgt>
+                                        </p:tgtEl>
+                                      </p:cBhvr>
+                                    </p:animEffect>
+                                  </p:childTnLst>
+                                </p:cTn>
+                              </p:par>
+                            </p:childTnLst>
+                          </p:cTn>
+                        </p:par>
+                      </p:childTnLst>
+                    </p:cTn>
+                  </p:par>
+                  <p:par>
+                    <p:cTn id="8" fill="hold">
+                      <p:stCondLst>
+                        <p:cond delay="indefinite"/>
+                      </p:stCondLst>
+                      <p:childTnLst>
+                        <p:par>
+                          <p:cTn id="9" fill="hold">
+                            <p:stCondLst>
+                              <p:cond delay="0"/>
+                            </p:stCondLst>
+                            <p:childTnLst>
+                              <p:par>
+                                <p:cTn id="10" presetID="10" presetClass="entr" presetSubtype="0" fill="hold" nodeType="clickEffect">
+                                  <p:stCondLst>
+                                    <p:cond delay="0"/>
+                                  </p:stCondLst>
+                                  <p:childTnLst>
+                                    <p:set>
+                                      <p:cBhvr>
+                                        <p:cTn id="11" dur="1" fill="hold">
+                                          <p:stCondLst>
+                                            <p:cond delay="0"/>
+                                          </p:stCondLst>
+                                        </p:cTn>
+                                        <p:tgtEl>
+                                          <p:spTgt spid="7">
+                                            <p:txEl>
+                                              <p:pRg st="3" end="3"/>
+                                            </p:txEl>
+                                          </p:spTgt>
+                                        </p:tgtEl>
+                                        <p:attrNameLst>
+                                          <p:attrName>style.visibility</p:attrName>
+                                        </p:attrNameLst>
+                                      </p:cBhvr>
+                                      <p:to>
+                                        <p:strVal val="visible"/>
+                                      </p:to>
+                                    </p:set>
+                                    <p:animEffect transition="in" filter="fade">
+                                      <p:cBhvr>
+                                        <p:cTn id="12" dur="500"/>
+                                        <p:tgtEl>
+                                          <p:spTgt spid="7">
+                                            <p:txEl>
+                                              <p:pRg st="3" end="3"/>
+                                            </p:txEl>
+                                          </p:spTgt>
+                                        </p:tgtEl>
+                                      </p:cBhvr>
+                                    </p:animEffect>
+                                  </p:childTnLst>
+                                </p:cTn>
+                              </p:par>
+                            </p:childTnLst>
+                          </p:cTn>
+                        </p:par>
+                      </p:childTnLst>
+                    </p:cTn>
+                  </p:par>
+                  <p:par>
+                    <p:cTn id="13" fill="hold">
+                      <p:stCondLst>
+                        <p:cond delay="indefinite"/>
+                      </p:stCondLst>
+                      <p:childTnLst>
+                        <p:par>
+                          <p:cTn id="14" fill="hold">
+                            <p:stCondLst>
+                              <p:cond delay="0"/>
+                            </p:stCondLst>
+                            <p:childTnLst>
+                              <p:par>
+                                <p:cTn id="15" presetID="10" presetClass="entr" presetSubtype="0" fill="hold" nodeType="clickEffect">
+                                  <p:stCondLst>
+                                    <p:cond delay="0"/>
+                                  </p:stCondLst>
+                                  <p:childTnLst>
+                                    <p:set>
+                                      <p:cBhvr>
+                                        <p:cTn id="16" dur="1" fill="hold">
+                                          <p:stCondLst>
+                                            <p:cond delay="0"/>
+                                          </p:stCondLst>
+                                        </p:cTn>
+                                        <p:tgtEl>
+                                          <p:spTgt spid="7">
+                                            <p:txEl>
+                                              <p:pRg st="4" end="4"/>
+                                            </p:txEl>
+                                          </p:spTgt>
+                                        </p:tgtEl>
+                                        <p:attrNameLst>
+                                          <p:attrName>style.visibility</p:attrName>
+                                        </p:attrNameLst>
+                                      </p:cBhvr>
+                                      <p:to>
+                                        <p:strVal val="visible"/>
+                                      </p:to>
+                                    </p:set>
+                                    <p:animEffect transition="in" filter="fade">
+                                      <p:cBhvr>
+                                        <p:cTn id="17" dur="500"/>
+                                        <p:tgtEl>
+                                          <p:spTgt spid="7">
+                                            <p:txEl>
+                                              <p:pRg st="4" end="4"/>
+                                            </p:txEl>
+                                          </p:spTgt>
+                                        </p:tgtEl>
+                                      </p:cBhvr>
+                                    </p:animEffect>
+                                  </p:childTnLst>
+                                </p:cTn>
+                              </p:par>
+                            </p:childTnLst>
+                          </p:cTn>
+                        </p:par>
+                      </p:childTnLst>
+                    </p:cTn>
+                  </p:par>
+                  <p:par>
+                    <p:cTn id="18" fill="hold">
+                      <p:stCondLst>
+                        <p:cond delay="indefinite"/>
+                      </p:stCondLst>
+                      <p:childTnLst>
+                        <p:par>
+                          <p:cTn id="19" fill="hold">
+                            <p:stCondLst>
+                              <p:cond delay="0"/>
+                            </p:stCondLst>
+                            <p:childTnLst>
+                              <p:par>
+                                <p:cTn id="20" presetID="10" presetClass="entr" presetSubtype="0" fill="hold" nodeType="clickEffect">
+                                  <p:stCondLst>
+                                    <p:cond delay="0"/>
+                                  </p:stCondLst>
+                                  <p:childTnLst>
+                                    <p:set>
+                                      <p:cBhvr>
+                                        <p:cTn id="21" dur="1" fill="hold">
+                                          <p:stCondLst>
+                                            <p:cond delay="0"/>
+                                          </p:stCondLst>
+                                        </p:cTn>
+                                        <p:tgtEl>
+                                          <p:spTgt spid="7">
+                                            <p:txEl>
+                                              <p:pRg st="5" end="5"/>
+                                            </p:txEl>
+                                          </p:spTgt>
+                                        </p:tgtEl>
+                                        <p:attrNameLst>
+                                          <p:attrName>style.visibility</p:attrName>
+                                        </p:attrNameLst>
+                                      </p:cBhvr>
+                                      <p:to>
+                                        <p:strVal val="visible"/>
+                                      </p:to>
+                                    </p:set>
+                                    <p:animEffect transition="in" filter="fade">
+                                      <p:cBhvr>
+                                        <p:cTn id="22" dur="500"/>
+                                        <p:tgtEl>
+                                          <p:spTgt spid="7">
+                                            <p:txEl>
+                                              <p:pRg st="5" end="5"/>
+                                            </p:txEl>
+                                          </p:spTgt>
+                                        </p:tgtEl>
+                                      </p:cBhvr>
+                                    </p:animEffect>
+                                  </p:childTnLst>
+                                </p:cTn>
+                              </p:par>
+                            </p:childTnLst>
+                          </p:cTn>
+                        </p:par>
+                      </p:childTnLst>
+                    </p:cTn>
+                  </p:par>
+                  <p:par>
+                    <p:cTn id="23" fill="hold">
+                      <p:stCondLst>
+                        <p:cond delay="indefinite"/>
+                      </p:stCondLst>
+                      <p:childTnLst>
+                        <p:par>
+                          <p:cTn id="24" fill="hold">
+                            <p:stCondLst>
+                              <p:cond delay="0"/>
+                            </p:stCondLst>
+                            <p:childTnLst>
+                              <p:par>
+                                <p:cTn id="25" presetID="10" presetClass="entr" presetSubtype="0" fill="hold" nodeType="clickEffect">
+                                  <p:stCondLst>
+                                    <p:cond delay="0"/>
+                                  </p:stCondLst>
+                                  <p:childTnLst>
+                                    <p:set>
+                                      <p:cBhvr>
+                                        <p:cTn id="26" dur="1" fill="hold">
+                                          <p:stCondLst>
+                                            <p:cond delay="0"/>
+                                          </p:stCondLst>
+                                        </p:cTn>
+                                        <p:tgtEl>
+                                          <p:spTgt spid="7">
+                                            <p:txEl>
+                                              <p:pRg st="7" end="7"/>
+                                            </p:txEl>
+                                          </p:spTgt>
+                                        </p:tgtEl>
+                                        <p:attrNameLst>
+                                          <p:attrName>style.visibility</p:attrName>
+                                        </p:attrNameLst>
+                                      </p:cBhvr>
+                                      <p:to>
+                                        <p:strVal val="visible"/>
+                                      </p:to>
+                                    </p:set>
+                                    <p:animEffect transition="in" filter="fade">
+                                      <p:cBhvr>
+                                        <p:cTn id="27" dur="500"/>
+                                        <p:tgtEl>
+                                          <p:spTgt spid="7">
+                                            <p:txEl>
+                                              <p:pRg st="7" end="7"/>
+                                            </p:txEl>
+                                          </p:spTgt>
+                                        </p:tgtEl>
+                                      </p:cBhvr>
+                                    </p:animEffect>
+                                  </p:childTnLst>
+                                </p:cTn>
+                              </p:par>
+                            </p:childTnLst>
+                          </p:cTn>
+                        </p:par>
+                      </p:childTnLst>
+                    </p:cTn>
+                  </p:par>
+                </p:childTnLst>
+              </p:cTn>
+              <p:prevCondLst>
+                <p:cond evt="onPrev" delay="0">
+                  <p:tgtEl>
+                    <p:sldTgt/>
+                  </p:tgtEl>
+                </p:cond>
+              </p:prevCondLst>
+              <p:nextCondLst>
+                <p:cond evt="onNext" delay="0">
+                  <p:tgtEl>
+                    <p:sldTgt/>
+                  </p:tgtEl>
+                </p:cond>
+              </p:nextCondLst>
+            </p:seq>
+          </p:childTnLst>
+        </p:cTn>
+      </p:par>
+    </p:tnLst>
+  </p:timing>
 </p:sld>
 </file>
 
@@ -5195,6 +6157,280 @@
   <p:clrMapOvr>
     <a:masterClrMapping/>
   </p:clrMapOvr>
+  <p:timing>
+    <p:tnLst>
+      <p:par>
+        <p:cTn id="1" dur="indefinite" restart="never" nodeType="tmRoot">
+          <p:childTnLst>
+            <p:seq concurrent="1" nextAc="seek">
+              <p:cTn id="2" dur="indefinite" nodeType="mainSeq">
+                <p:childTnLst>
+                  <p:par>
+                    <p:cTn id="3" fill="hold">
+                      <p:stCondLst>
+                        <p:cond delay="indefinite"/>
+                      </p:stCondLst>
+                      <p:childTnLst>
+                        <p:par>
+                          <p:cTn id="4" fill="hold">
+                            <p:stCondLst>
+                              <p:cond delay="0"/>
+                            </p:stCondLst>
+                            <p:childTnLst>
+                              <p:par>
+                                <p:cTn id="5" presetID="10" presetClass="entr" presetSubtype="0" fill="hold" nodeType="clickEffect">
+                                  <p:stCondLst>
+                                    <p:cond delay="0"/>
+                                  </p:stCondLst>
+                                  <p:childTnLst>
+                                    <p:set>
+                                      <p:cBhvr>
+                                        <p:cTn id="6" dur="1" fill="hold">
+                                          <p:stCondLst>
+                                            <p:cond delay="0"/>
+                                          </p:stCondLst>
+                                        </p:cTn>
+                                        <p:tgtEl>
+                                          <p:spTgt spid="6">
+                                            <p:txEl>
+                                              <p:pRg st="2" end="2"/>
+                                            </p:txEl>
+                                          </p:spTgt>
+                                        </p:tgtEl>
+                                        <p:attrNameLst>
+                                          <p:attrName>style.visibility</p:attrName>
+                                        </p:attrNameLst>
+                                      </p:cBhvr>
+                                      <p:to>
+                                        <p:strVal val="visible"/>
+                                      </p:to>
+                                    </p:set>
+                                    <p:animEffect transition="in" filter="fade">
+                                      <p:cBhvr>
+                                        <p:cTn id="7" dur="500"/>
+                                        <p:tgtEl>
+                                          <p:spTgt spid="6">
+                                            <p:txEl>
+                                              <p:pRg st="2" end="2"/>
+                                            </p:txEl>
+                                          </p:spTgt>
+                                        </p:tgtEl>
+                                      </p:cBhvr>
+                                    </p:animEffect>
+                                  </p:childTnLst>
+                                </p:cTn>
+                              </p:par>
+                            </p:childTnLst>
+                          </p:cTn>
+                        </p:par>
+                      </p:childTnLst>
+                    </p:cTn>
+                  </p:par>
+                  <p:par>
+                    <p:cTn id="8" fill="hold">
+                      <p:stCondLst>
+                        <p:cond delay="indefinite"/>
+                      </p:stCondLst>
+                      <p:childTnLst>
+                        <p:par>
+                          <p:cTn id="9" fill="hold">
+                            <p:stCondLst>
+                              <p:cond delay="0"/>
+                            </p:stCondLst>
+                            <p:childTnLst>
+                              <p:par>
+                                <p:cTn id="10" presetID="10" presetClass="entr" presetSubtype="0" fill="hold" nodeType="clickEffect">
+                                  <p:stCondLst>
+                                    <p:cond delay="0"/>
+                                  </p:stCondLst>
+                                  <p:childTnLst>
+                                    <p:set>
+                                      <p:cBhvr>
+                                        <p:cTn id="11" dur="1" fill="hold">
+                                          <p:stCondLst>
+                                            <p:cond delay="0"/>
+                                          </p:stCondLst>
+                                        </p:cTn>
+                                        <p:tgtEl>
+                                          <p:spTgt spid="6">
+                                            <p:txEl>
+                                              <p:pRg st="4" end="4"/>
+                                            </p:txEl>
+                                          </p:spTgt>
+                                        </p:tgtEl>
+                                        <p:attrNameLst>
+                                          <p:attrName>style.visibility</p:attrName>
+                                        </p:attrNameLst>
+                                      </p:cBhvr>
+                                      <p:to>
+                                        <p:strVal val="visible"/>
+                                      </p:to>
+                                    </p:set>
+                                    <p:animEffect transition="in" filter="fade">
+                                      <p:cBhvr>
+                                        <p:cTn id="12" dur="500"/>
+                                        <p:tgtEl>
+                                          <p:spTgt spid="6">
+                                            <p:txEl>
+                                              <p:pRg st="4" end="4"/>
+                                            </p:txEl>
+                                          </p:spTgt>
+                                        </p:tgtEl>
+                                      </p:cBhvr>
+                                    </p:animEffect>
+                                  </p:childTnLst>
+                                </p:cTn>
+                              </p:par>
+                            </p:childTnLst>
+                          </p:cTn>
+                        </p:par>
+                      </p:childTnLst>
+                    </p:cTn>
+                  </p:par>
+                  <p:par>
+                    <p:cTn id="13" fill="hold">
+                      <p:stCondLst>
+                        <p:cond delay="indefinite"/>
+                      </p:stCondLst>
+                      <p:childTnLst>
+                        <p:par>
+                          <p:cTn id="14" fill="hold">
+                            <p:stCondLst>
+                              <p:cond delay="0"/>
+                            </p:stCondLst>
+                            <p:childTnLst>
+                              <p:par>
+                                <p:cTn id="15" presetID="10" presetClass="entr" presetSubtype="0" fill="hold" nodeType="clickEffect">
+                                  <p:stCondLst>
+                                    <p:cond delay="0"/>
+                                  </p:stCondLst>
+                                  <p:childTnLst>
+                                    <p:set>
+                                      <p:cBhvr>
+                                        <p:cTn id="16" dur="1" fill="hold">
+                                          <p:stCondLst>
+                                            <p:cond delay="0"/>
+                                          </p:stCondLst>
+                                        </p:cTn>
+                                        <p:tgtEl>
+                                          <p:spTgt spid="6">
+                                            <p:txEl>
+                                              <p:pRg st="6" end="6"/>
+                                            </p:txEl>
+                                          </p:spTgt>
+                                        </p:tgtEl>
+                                        <p:attrNameLst>
+                                          <p:attrName>style.visibility</p:attrName>
+                                        </p:attrNameLst>
+                                      </p:cBhvr>
+                                      <p:to>
+                                        <p:strVal val="visible"/>
+                                      </p:to>
+                                    </p:set>
+                                    <p:animEffect transition="in" filter="fade">
+                                      <p:cBhvr>
+                                        <p:cTn id="17" dur="500"/>
+                                        <p:tgtEl>
+                                          <p:spTgt spid="6">
+                                            <p:txEl>
+                                              <p:pRg st="6" end="6"/>
+                                            </p:txEl>
+                                          </p:spTgt>
+                                        </p:tgtEl>
+                                      </p:cBhvr>
+                                    </p:animEffect>
+                                  </p:childTnLst>
+                                </p:cTn>
+                              </p:par>
+                            </p:childTnLst>
+                          </p:cTn>
+                        </p:par>
+                      </p:childTnLst>
+                    </p:cTn>
+                  </p:par>
+                  <p:par>
+                    <p:cTn id="18" fill="hold">
+                      <p:stCondLst>
+                        <p:cond delay="indefinite"/>
+                      </p:stCondLst>
+                      <p:childTnLst>
+                        <p:par>
+                          <p:cTn id="19" fill="hold">
+                            <p:stCondLst>
+                              <p:cond delay="0"/>
+                            </p:stCondLst>
+                            <p:childTnLst>
+                              <p:par>
+                                <p:cTn id="20" presetID="10" presetClass="entr" presetSubtype="0" fill="hold" nodeType="clickEffect">
+                                  <p:stCondLst>
+                                    <p:cond delay="0"/>
+                                  </p:stCondLst>
+                                  <p:childTnLst>
+                                    <p:set>
+                                      <p:cBhvr>
+                                        <p:cTn id="21" dur="1" fill="hold">
+                                          <p:stCondLst>
+                                            <p:cond delay="0"/>
+                                          </p:stCondLst>
+                                        </p:cTn>
+                                        <p:tgtEl>
+                                          <p:spTgt spid="6">
+                                            <p:txEl>
+                                              <p:pRg st="8" end="8"/>
+                                            </p:txEl>
+                                          </p:spTgt>
+                                        </p:tgtEl>
+                                        <p:attrNameLst>
+                                          <p:attrName>style.visibility</p:attrName>
+                                        </p:attrNameLst>
+                                      </p:cBhvr>
+                                      <p:to>
+                                        <p:strVal val="visible"/>
+                                      </p:to>
+                                    </p:set>
+                                    <p:animEffect transition="in" filter="fade">
+                                      <p:cBhvr>
+                                        <p:cTn id="22" dur="500"/>
+                                        <p:tgtEl>
+                                          <p:spTgt spid="6">
+                                            <p:txEl>
+                                              <p:pRg st="8" end="8"/>
+                                            </p:txEl>
+                                          </p:spTgt>
+                                        </p:tgtEl>
+                                      </p:cBhvr>
+                                    </p:animEffect>
+                                  </p:childTnLst>
+                                </p:cTn>
+                              </p:par>
+                            </p:childTnLst>
+                          </p:cTn>
+                        </p:par>
+                      </p:childTnLst>
+                    </p:cTn>
+                  </p:par>
+                </p:childTnLst>
+              </p:cTn>
+              <p:prevCondLst>
+                <p:cond evt="onPrev" delay="0">
+                  <p:tgtEl>
+                    <p:sldTgt/>
+                  </p:tgtEl>
+                </p:cond>
+              </p:prevCondLst>
+              <p:nextCondLst>
+                <p:cond evt="onNext" delay="0">
+                  <p:tgtEl>
+                    <p:sldTgt/>
+                  </p:tgtEl>
+                </p:cond>
+              </p:nextCondLst>
+            </p:seq>
+          </p:childTnLst>
+        </p:cTn>
+      </p:par>
+    </p:tnLst>
+  </p:timing>
 </p:sld>
 </file>
 
@@ -5447,6 +6683,13 @@
   <p:clrMapOvr>
     <a:masterClrMapping/>
   </p:clrMapOvr>
+  <p:timing>
+    <p:tnLst>
+      <p:par>
+        <p:cTn id="1" dur="indefinite" restart="never" nodeType="tmRoot"/>
+      </p:par>
+    </p:tnLst>
+  </p:timing>
 </p:sld>
 </file>
 

--- a/Presentation/presentation.pptx
+++ b/Presentation/presentation.pptx
@@ -2981,6 +2981,36 @@
           <a:chExt cx="0" cy="0"/>
         </a:xfrm>
       </p:grpSpPr>
+      <p:pic>
+        <p:nvPicPr>
+          <p:cNvPr id="3" name="Kép 2"/>
+          <p:cNvPicPr>
+            <a:picLocks noChangeAspect="1"/>
+          </p:cNvPicPr>
+          <p:nvPr/>
+        </p:nvPicPr>
+        <p:blipFill>
+          <a:blip r:embed="rId2" cstate="print">
+            <a:extLst>
+              <a:ext uri="{28A0092B-C50C-407E-A947-70E740481C1C}">
+                <a14:useLocalDpi xmlns:a14="http://schemas.microsoft.com/office/drawing/2010/main" val="0"/>
+              </a:ext>
+            </a:extLst>
+          </a:blip>
+          <a:stretch>
+            <a:fillRect/>
+          </a:stretch>
+        </p:blipFill>
+        <p:spPr>
+          <a:xfrm>
+            <a:off x="1064030" y="74352"/>
+            <a:ext cx="9966960" cy="6644641"/>
+          </a:xfrm>
+          <a:prstGeom prst="rect">
+            <a:avLst/>
+          </a:prstGeom>
+        </p:spPr>
+      </p:pic>
       <p:sp>
         <p:nvSpPr>
           <p:cNvPr id="2" name="Cím 1"/>
@@ -3099,7 +3129,7 @@
           <p:nvPr/>
         </p:nvPicPr>
         <p:blipFill>
-          <a:blip r:embed="rId2" cstate="print">
+          <a:blip r:embed="rId3" cstate="print">
             <a:extLst>
               <a:ext uri="{28A0092B-C50C-407E-A947-70E740481C1C}">
                 <a14:useLocalDpi xmlns:a14="http://schemas.microsoft.com/office/drawing/2010/main" val="0"/>
@@ -3345,7 +3375,7 @@
           <p:nvPr/>
         </p:nvPicPr>
         <p:blipFill>
-          <a:blip r:embed="rId3" cstate="print">
+          <a:blip r:embed="rId4" cstate="print">
             <a:extLst>
               <a:ext uri="{28A0092B-C50C-407E-A947-70E740481C1C}">
                 <a14:useLocalDpi xmlns:a14="http://schemas.microsoft.com/office/drawing/2010/main" val="0"/>
@@ -3412,6 +3442,13 @@
   <p:clrMapOvr>
     <a:masterClrMapping/>
   </p:clrMapOvr>
+  <p:timing>
+    <p:tnLst>
+      <p:par>
+        <p:cTn id="1" dur="indefinite" restart="never" nodeType="tmRoot"/>
+      </p:par>
+    </p:tnLst>
+  </p:timing>
 </p:sld>
 </file>
 

--- a/Presentation/presentation.pptx
+++ b/Presentation/presentation.pptx
@@ -10,6 +10,7 @@
     <p:sldId id="258" r:id="rId4"/>
     <p:sldId id="259" r:id="rId5"/>
     <p:sldId id="260" r:id="rId6"/>
+    <p:sldId id="261" r:id="rId7"/>
   </p:sldIdLst>
   <p:sldSz cx="12192000" cy="6858000"/>
   <p:notesSz cx="6858000" cy="9144000"/>
@@ -3894,8 +3895,8 @@
         </p:blipFill>
         <p:spPr>
           <a:xfrm>
-            <a:off x="371471" y="320801"/>
-            <a:ext cx="1569511" cy="565024"/>
+            <a:off x="371471" y="320800"/>
+            <a:ext cx="1723336" cy="620401"/>
           </a:xfrm>
           <a:prstGeom prst="rect">
             <a:avLst/>
@@ -4585,7 +4586,7 @@
         <p:spPr>
           <a:xfrm>
             <a:off x="419096" y="293746"/>
-            <a:ext cx="1485909" cy="534927"/>
+            <a:ext cx="1654767" cy="595716"/>
           </a:xfrm>
           <a:prstGeom prst="rect">
             <a:avLst/>
@@ -6177,7 +6178,7 @@
         <p:spPr>
           <a:xfrm>
             <a:off x="371471" y="320801"/>
-            <a:ext cx="1569511" cy="565024"/>
+            <a:ext cx="1810522" cy="651788"/>
           </a:xfrm>
           <a:prstGeom prst="rect">
             <a:avLst/>
@@ -6519,7 +6520,7 @@
         <p:spPr>
           <a:xfrm>
             <a:off x="419096" y="293746"/>
-            <a:ext cx="1485909" cy="534927"/>
+            <a:ext cx="1793312" cy="645592"/>
           </a:xfrm>
           <a:prstGeom prst="rect">
             <a:avLst/>
@@ -6714,6 +6715,298 @@
     <p:extLst>
       <p:ext uri="{BB962C8B-B14F-4D97-AF65-F5344CB8AC3E}">
         <p14:creationId xmlns:p14="http://schemas.microsoft.com/office/powerpoint/2010/main" val="2302817638"/>
+      </p:ext>
+    </p:extLst>
+  </p:cSld>
+  <p:clrMapOvr>
+    <a:masterClrMapping/>
+  </p:clrMapOvr>
+  <p:timing>
+    <p:tnLst>
+      <p:par>
+        <p:cTn id="1" dur="indefinite" restart="never" nodeType="tmRoot"/>
+      </p:par>
+    </p:tnLst>
+  </p:timing>
+</p:sld>
+</file>
+
+<file path=ppt/slides/slide6.xml><?xml version="1.0" encoding="utf-8"?>
+<p:sld xmlns:a="http://schemas.openxmlformats.org/drawingml/2006/main" xmlns:r="http://schemas.openxmlformats.org/officeDocument/2006/relationships" xmlns:p="http://schemas.openxmlformats.org/presentationml/2006/main">
+  <p:cSld>
+    <p:bg>
+      <p:bgPr>
+        <a:solidFill>
+          <a:srgbClr val="E6E6FA"/>
+        </a:solidFill>
+        <a:effectLst/>
+      </p:bgPr>
+    </p:bg>
+    <p:spTree>
+      <p:nvGrpSpPr>
+        <p:cNvPr id="1" name=""/>
+        <p:cNvGrpSpPr/>
+        <p:nvPr/>
+      </p:nvGrpSpPr>
+      <p:grpSpPr>
+        <a:xfrm>
+          <a:off x="0" y="0"/>
+          <a:ext cx="0" cy="0"/>
+          <a:chOff x="0" y="0"/>
+          <a:chExt cx="0" cy="0"/>
+        </a:xfrm>
+      </p:grpSpPr>
+      <p:sp>
+        <p:nvSpPr>
+          <p:cNvPr id="6" name="Cím 1"/>
+          <p:cNvSpPr txBox="1">
+            <a:spLocks/>
+          </p:cNvSpPr>
+          <p:nvPr/>
+        </p:nvSpPr>
+        <p:spPr>
+          <a:xfrm>
+            <a:off x="1189759" y="1386494"/>
+            <a:ext cx="9508075" cy="5471506"/>
+          </a:xfrm>
+          <a:prstGeom prst="rect">
+            <a:avLst/>
+          </a:prstGeom>
+        </p:spPr>
+        <p:txBody>
+          <a:bodyPr vert="horz" lIns="91440" tIns="45720" rIns="91440" bIns="45720" rtlCol="0" anchor="t">
+            <a:normAutofit fontScale="97500"/>
+          </a:bodyPr>
+          <a:lstStyle>
+            <a:lvl1pPr algn="ctr" defTabSz="914400" rtl="0" eaLnBrk="1" latinLnBrk="0" hangingPunct="1">
+              <a:lnSpc>
+                <a:spcPct val="90000"/>
+              </a:lnSpc>
+              <a:spcBef>
+                <a:spcPct val="0"/>
+              </a:spcBef>
+              <a:buNone/>
+              <a:defRPr sz="6000" kern="1200">
+                <a:solidFill>
+                  <a:schemeClr val="tx1"/>
+                </a:solidFill>
+                <a:latin typeface="+mj-lt"/>
+                <a:ea typeface="+mj-ea"/>
+                <a:cs typeface="+mj-cs"/>
+              </a:defRPr>
+            </a:lvl1pPr>
+          </a:lstStyle>
+          <a:p>
+            <a:pPr marL="0" marR="0" lvl="0" indent="0" algn="ctr" defTabSz="914400" rtl="0" eaLnBrk="1" fontAlgn="auto" latinLnBrk="0" hangingPunct="1">
+              <a:lnSpc>
+                <a:spcPct val="90000"/>
+              </a:lnSpc>
+              <a:spcBef>
+                <a:spcPct val="0"/>
+              </a:spcBef>
+              <a:spcAft>
+                <a:spcPts val="0"/>
+              </a:spcAft>
+              <a:buClrTx/>
+              <a:buSzTx/>
+              <a:buFontTx/>
+              <a:buNone/>
+              <a:tabLst/>
+              <a:defRPr/>
+            </a:pPr>
+            <a:r>
+              <a:rPr kumimoji="0" lang="hu-HU" sz="4100" b="1" i="0" u="none" strike="noStrike" kern="1200" cap="none" spc="300" normalizeH="0" baseline="0" noProof="0" dirty="0" err="1" smtClean="0">
+                <a:ln>
+                  <a:noFill/>
+                </a:ln>
+                <a:solidFill>
+                  <a:srgbClr val="1A1B1F"/>
+                </a:solidFill>
+                <a:effectLst/>
+                <a:uLnTx/>
+                <a:uFillTx/>
+                <a:latin typeface="Agency FB" panose="020B0503020202020204" pitchFamily="34" charset="0"/>
+                <a:ea typeface="+mj-ea"/>
+                <a:cs typeface="+mj-cs"/>
+              </a:rPr>
+              <a:t>Documentation</a:t>
+            </a:r>
+            <a:r>
+              <a:rPr kumimoji="0" lang="hu-HU" sz="4100" b="1" i="0" u="none" strike="noStrike" kern="1200" cap="none" spc="300" normalizeH="0" baseline="0" noProof="0" dirty="0" smtClean="0">
+                <a:ln>
+                  <a:noFill/>
+                </a:ln>
+                <a:solidFill>
+                  <a:srgbClr val="1A1B1F"/>
+                </a:solidFill>
+                <a:effectLst/>
+                <a:uLnTx/>
+                <a:uFillTx/>
+                <a:latin typeface="Agency FB" panose="020B0503020202020204" pitchFamily="34" charset="0"/>
+                <a:ea typeface="+mj-ea"/>
+                <a:cs typeface="+mj-cs"/>
+              </a:rPr>
+              <a:t>:</a:t>
+            </a:r>
+            <a:endParaRPr kumimoji="0" lang="hu-HU" sz="4100" b="1" i="0" u="none" strike="noStrike" kern="1200" cap="none" spc="300" normalizeH="0" baseline="0" noProof="0" dirty="0" smtClean="0">
+              <a:ln>
+                <a:noFill/>
+              </a:ln>
+              <a:solidFill>
+                <a:srgbClr val="1A1B1F"/>
+              </a:solidFill>
+              <a:effectLst/>
+              <a:uLnTx/>
+              <a:uFillTx/>
+              <a:latin typeface="Agency FB" panose="020B0503020202020204" pitchFamily="34" charset="0"/>
+              <a:ea typeface="+mj-ea"/>
+              <a:cs typeface="+mj-cs"/>
+            </a:endParaRPr>
+          </a:p>
+          <a:p>
+            <a:pPr marL="0" marR="0" lvl="0" indent="0" algn="ctr" defTabSz="914400" rtl="0" eaLnBrk="1" fontAlgn="auto" latinLnBrk="0" hangingPunct="1">
+              <a:lnSpc>
+                <a:spcPct val="90000"/>
+              </a:lnSpc>
+              <a:spcBef>
+                <a:spcPct val="0"/>
+              </a:spcBef>
+              <a:spcAft>
+                <a:spcPts val="0"/>
+              </a:spcAft>
+              <a:buClrTx/>
+              <a:buSzTx/>
+              <a:buFontTx/>
+              <a:buNone/>
+              <a:tabLst/>
+              <a:defRPr/>
+            </a:pPr>
+            <a:endParaRPr kumimoji="0" lang="hu-HU" sz="4100" b="0" i="0" u="none" strike="noStrike" kern="1200" cap="none" spc="0" normalizeH="0" baseline="0" noProof="0" dirty="0" smtClean="0">
+              <a:ln>
+                <a:noFill/>
+              </a:ln>
+              <a:solidFill>
+                <a:srgbClr val="1A1B1F"/>
+              </a:solidFill>
+              <a:effectLst/>
+              <a:uLnTx/>
+              <a:uFillTx/>
+              <a:latin typeface="Agency FB" panose="020B0503020202020204" pitchFamily="34" charset="0"/>
+              <a:ea typeface="+mj-ea"/>
+              <a:cs typeface="+mj-cs"/>
+            </a:endParaRPr>
+          </a:p>
+          <a:p>
+            <a:pPr marL="0" marR="0" lvl="0" indent="0" algn="ctr" defTabSz="914400" rtl="0" eaLnBrk="1" fontAlgn="auto" latinLnBrk="0" hangingPunct="1">
+              <a:lnSpc>
+                <a:spcPct val="90000"/>
+              </a:lnSpc>
+              <a:spcBef>
+                <a:spcPct val="0"/>
+              </a:spcBef>
+              <a:spcAft>
+                <a:spcPts val="0"/>
+              </a:spcAft>
+              <a:buClrTx/>
+              <a:buSzTx/>
+              <a:buFontTx/>
+              <a:buNone/>
+              <a:tabLst/>
+              <a:defRPr/>
+            </a:pPr>
+            <a:endParaRPr lang="hu-HU" sz="4100" dirty="0">
+              <a:solidFill>
+                <a:srgbClr val="1A1B1F"/>
+              </a:solidFill>
+              <a:latin typeface="Agency FB" panose="020B0503020202020204" pitchFamily="34" charset="0"/>
+            </a:endParaRPr>
+          </a:p>
+          <a:p>
+            <a:pPr lvl="0">
+              <a:defRPr/>
+            </a:pPr>
+            <a:r>
+              <a:rPr lang="hu-HU" sz="4100" dirty="0">
+                <a:solidFill>
+                  <a:srgbClr val="1A1B1F"/>
+                </a:solidFill>
+                <a:latin typeface="Agency FB" panose="020B0503020202020204" pitchFamily="34" charset="0"/>
+                <a:hlinkClick r:id="rId2"/>
+              </a:rPr>
+              <a:t>https://</a:t>
+            </a:r>
+            <a:r>
+              <a:rPr lang="hu-HU" sz="4100" dirty="0" smtClean="0">
+                <a:solidFill>
+                  <a:srgbClr val="1A1B1F"/>
+                </a:solidFill>
+                <a:latin typeface="Agency FB" panose="020B0503020202020204" pitchFamily="34" charset="0"/>
+                <a:hlinkClick r:id="rId2"/>
+              </a:rPr>
+              <a:t>docs.google.com/document/d/1814xzH-7cGicayMihPksFF0xebH1SgexUEZz2S-dWTA/edit?usp=sharing</a:t>
+            </a:r>
+            <a:endParaRPr lang="hu-HU" sz="4100" dirty="0" smtClean="0">
+              <a:solidFill>
+                <a:srgbClr val="1A1B1F"/>
+              </a:solidFill>
+              <a:latin typeface="Agency FB" panose="020B0503020202020204" pitchFamily="34" charset="0"/>
+            </a:endParaRPr>
+          </a:p>
+          <a:p>
+            <a:pPr lvl="0">
+              <a:defRPr/>
+            </a:pPr>
+            <a:endParaRPr kumimoji="0" lang="hu-HU" sz="4100" b="0" i="0" u="none" strike="noStrike" kern="1200" cap="none" spc="0" normalizeH="0" baseline="0" noProof="0" dirty="0" smtClean="0">
+              <a:ln>
+                <a:noFill/>
+              </a:ln>
+              <a:solidFill>
+                <a:srgbClr val="1A1B1F"/>
+              </a:solidFill>
+              <a:effectLst/>
+              <a:uLnTx/>
+              <a:uFillTx/>
+              <a:latin typeface="Agency FB" panose="020B0503020202020204" pitchFamily="34" charset="0"/>
+              <a:ea typeface="+mj-ea"/>
+              <a:cs typeface="+mj-cs"/>
+            </a:endParaRPr>
+          </a:p>
+        </p:txBody>
+      </p:sp>
+      <p:pic>
+        <p:nvPicPr>
+          <p:cNvPr id="4" name="Kép 3"/>
+          <p:cNvPicPr>
+            <a:picLocks noChangeAspect="1"/>
+          </p:cNvPicPr>
+          <p:nvPr/>
+        </p:nvPicPr>
+        <p:blipFill>
+          <a:blip r:embed="rId3" cstate="print">
+            <a:extLst>
+              <a:ext uri="{28A0092B-C50C-407E-A947-70E740481C1C}">
+                <a14:useLocalDpi xmlns:a14="http://schemas.microsoft.com/office/drawing/2010/main" val="0"/>
+              </a:ext>
+            </a:extLst>
+          </a:blip>
+          <a:stretch>
+            <a:fillRect/>
+          </a:stretch>
+        </p:blipFill>
+        <p:spPr>
+          <a:xfrm>
+            <a:off x="371471" y="320801"/>
+            <a:ext cx="1810522" cy="651788"/>
+          </a:xfrm>
+          <a:prstGeom prst="rect">
+            <a:avLst/>
+          </a:prstGeom>
+        </p:spPr>
+      </p:pic>
+    </p:spTree>
+    <p:extLst>
+      <p:ext uri="{BB962C8B-B14F-4D97-AF65-F5344CB8AC3E}">
+        <p14:creationId xmlns:p14="http://schemas.microsoft.com/office/powerpoint/2010/main" val="253352952"/>
       </p:ext>
     </p:extLst>
   </p:cSld>
